--- a/docs/schéma-navigation-médecin-général/Shema-navigation-médecin-général.pptx
+++ b/docs/schéma-navigation-médecin-général/Shema-navigation-médecin-général.pptx
@@ -6802,278 +6802,7 @@
         </p:nvGrpSpPr>
         <p:grpSpPr>
           <a:xfrm>
-            <a:off x="861175" y="127575"/>
-            <a:ext cx="2322300" cy="642000"/>
-            <a:chOff x="861175" y="127575"/>
-            <a:chExt cx="2322300" cy="642000"/>
-          </a:xfrm>
-        </p:grpSpPr>
-        <p:sp>
-          <p:nvSpPr>
-            <p:cNvPr id="67" name="Google Shape;67;p11"/>
-            <p:cNvSpPr/>
-            <p:nvPr/>
-          </p:nvSpPr>
-          <p:spPr>
-            <a:xfrm>
-              <a:off x="1311350" y="448575"/>
-              <a:ext cx="1491300" cy="321000"/>
-            </a:xfrm>
-            <a:prstGeom prst="rect">
-              <a:avLst/>
-            </a:prstGeom>
-            <a:noFill/>
-            <a:ln cap="flat" cmpd="sng" w="9525">
-              <a:solidFill>
-                <a:srgbClr val="595959"/>
-              </a:solidFill>
-              <a:prstDash val="solid"/>
-              <a:round/>
-              <a:headEnd len="sm" w="sm" type="none"/>
-              <a:tailEnd len="sm" w="sm" type="none"/>
-            </a:ln>
-          </p:spPr>
-          <p:txBody>
-            <a:bodyPr anchorCtr="0" anchor="ctr" bIns="91425" lIns="91425" spcFirstLastPara="1" rIns="91425" wrap="square" tIns="91425">
-              <a:noAutofit/>
-            </a:bodyPr>
-            <a:lstStyle/>
-            <a:p>
-              <a:pPr indent="0" lvl="0" marL="0" rtl="0" algn="ctr">
-                <a:spcBef>
-                  <a:spcPts val="0"/>
-                </a:spcBef>
-                <a:spcAft>
-                  <a:spcPts val="0"/>
-                </a:spcAft>
-                <a:buNone/>
-              </a:pPr>
-              <a:r>
-                <a:rPr lang="en" sz="1100">
-                  <a:latin typeface="Roboto"/>
-                  <a:ea typeface="Roboto"/>
-                  <a:cs typeface="Roboto"/>
-                  <a:sym typeface="Roboto"/>
-                </a:rPr>
-                <a:t>/</a:t>
-              </a:r>
-              <a:endParaRPr sz="1100">
-                <a:latin typeface="Roboto"/>
-                <a:ea typeface="Roboto"/>
-                <a:cs typeface="Roboto"/>
-                <a:sym typeface="Roboto"/>
-              </a:endParaRPr>
-            </a:p>
-          </p:txBody>
-        </p:sp>
-        <p:sp>
-          <p:nvSpPr>
-            <p:cNvPr id="68" name="Google Shape;68;p11"/>
-            <p:cNvSpPr/>
-            <p:nvPr/>
-          </p:nvSpPr>
-          <p:spPr>
-            <a:xfrm>
-              <a:off x="861175" y="127575"/>
-              <a:ext cx="2322300" cy="321000"/>
-            </a:xfrm>
-            <a:prstGeom prst="rect">
-              <a:avLst/>
-            </a:prstGeom>
-            <a:noFill/>
-            <a:ln cap="flat" cmpd="sng" w="9525">
-              <a:solidFill>
-                <a:srgbClr val="595959"/>
-              </a:solidFill>
-              <a:prstDash val="solid"/>
-              <a:round/>
-              <a:headEnd len="sm" w="sm" type="none"/>
-              <a:tailEnd len="sm" w="sm" type="none"/>
-            </a:ln>
-          </p:spPr>
-          <p:txBody>
-            <a:bodyPr anchorCtr="0" anchor="ctr" bIns="91425" lIns="91425" spcFirstLastPara="1" rIns="91425" wrap="square" tIns="91425">
-              <a:noAutofit/>
-            </a:bodyPr>
-            <a:lstStyle/>
-            <a:p>
-              <a:pPr indent="0" lvl="0" marL="0" rtl="0" algn="ctr">
-                <a:spcBef>
-                  <a:spcPts val="0"/>
-                </a:spcBef>
-                <a:spcAft>
-                  <a:spcPts val="0"/>
-                </a:spcAft>
-                <a:buNone/>
-              </a:pPr>
-              <a:r>
-                <a:rPr b="1" lang="en" sz="1200">
-                  <a:latin typeface="Roboto"/>
-                  <a:ea typeface="Roboto"/>
-                  <a:cs typeface="Roboto"/>
-                  <a:sym typeface="Roboto"/>
-                </a:rPr>
-                <a:t>Statistiques</a:t>
-              </a:r>
-              <a:endParaRPr b="1" sz="1200">
-                <a:latin typeface="Roboto"/>
-                <a:ea typeface="Roboto"/>
-                <a:cs typeface="Roboto"/>
-                <a:sym typeface="Roboto"/>
-              </a:endParaRPr>
-            </a:p>
-          </p:txBody>
-        </p:sp>
-      </p:grpSp>
-      <p:grpSp>
-        <p:nvGrpSpPr>
-          <p:cNvPr id="69" name="Google Shape;69;p11"/>
-          <p:cNvGrpSpPr/>
-          <p:nvPr/>
-        </p:nvGrpSpPr>
-        <p:grpSpPr>
-          <a:xfrm>
-            <a:off x="5190025" y="127575"/>
-            <a:ext cx="2713200" cy="642000"/>
-            <a:chOff x="4732825" y="127575"/>
-            <a:chExt cx="2713200" cy="642000"/>
-          </a:xfrm>
-        </p:grpSpPr>
-        <p:sp>
-          <p:nvSpPr>
-            <p:cNvPr id="70" name="Google Shape;70;p11"/>
-            <p:cNvSpPr/>
-            <p:nvPr/>
-          </p:nvSpPr>
-          <p:spPr>
-            <a:xfrm>
-              <a:off x="4886525" y="448575"/>
-              <a:ext cx="2388900" cy="321000"/>
-            </a:xfrm>
-            <a:prstGeom prst="rect">
-              <a:avLst/>
-            </a:prstGeom>
-            <a:noFill/>
-            <a:ln cap="flat" cmpd="sng" w="9525">
-              <a:solidFill>
-                <a:srgbClr val="595959"/>
-              </a:solidFill>
-              <a:prstDash val="solid"/>
-              <a:round/>
-              <a:headEnd len="sm" w="sm" type="none"/>
-              <a:tailEnd len="sm" w="sm" type="none"/>
-            </a:ln>
-          </p:spPr>
-          <p:txBody>
-            <a:bodyPr anchorCtr="0" anchor="ctr" bIns="91425" lIns="91425" spcFirstLastPara="1" rIns="91425" wrap="square" tIns="91425">
-              <a:noAutofit/>
-            </a:bodyPr>
-            <a:lstStyle/>
-            <a:p>
-              <a:pPr indent="0" lvl="0" marL="0" rtl="0" algn="ctr">
-                <a:spcBef>
-                  <a:spcPts val="0"/>
-                </a:spcBef>
-                <a:spcAft>
-                  <a:spcPts val="0"/>
-                </a:spcAft>
-                <a:buNone/>
-              </a:pPr>
-              <a:r>
-                <a:rPr lang="en" sz="1000">
-                  <a:latin typeface="Roboto"/>
-                  <a:ea typeface="Roboto"/>
-                  <a:cs typeface="Roboto"/>
-                  <a:sym typeface="Roboto"/>
-                </a:rPr>
-                <a:t>/pôle-social/entretien-social</a:t>
-              </a:r>
-              <a:r>
-                <a:rPr lang="en" sz="1000">
-                  <a:latin typeface="Roboto"/>
-                  <a:ea typeface="Roboto"/>
-                  <a:cs typeface="Roboto"/>
-                  <a:sym typeface="Roboto"/>
-                </a:rPr>
-                <a:t> </a:t>
-              </a:r>
-              <a:endParaRPr sz="1000">
-                <a:latin typeface="Roboto"/>
-                <a:ea typeface="Roboto"/>
-                <a:cs typeface="Roboto"/>
-                <a:sym typeface="Roboto"/>
-              </a:endParaRPr>
-            </a:p>
-          </p:txBody>
-        </p:sp>
-        <p:sp>
-          <p:nvSpPr>
-            <p:cNvPr id="71" name="Google Shape;71;p11"/>
-            <p:cNvSpPr/>
-            <p:nvPr/>
-          </p:nvSpPr>
-          <p:spPr>
-            <a:xfrm>
-              <a:off x="4732825" y="127575"/>
-              <a:ext cx="2713200" cy="321000"/>
-            </a:xfrm>
-            <a:prstGeom prst="rect">
-              <a:avLst/>
-            </a:prstGeom>
-            <a:noFill/>
-            <a:ln cap="flat" cmpd="sng" w="9525">
-              <a:solidFill>
-                <a:srgbClr val="595959"/>
-              </a:solidFill>
-              <a:prstDash val="solid"/>
-              <a:round/>
-              <a:headEnd len="sm" w="sm" type="none"/>
-              <a:tailEnd len="sm" w="sm" type="none"/>
-            </a:ln>
-          </p:spPr>
-          <p:txBody>
-            <a:bodyPr anchorCtr="0" anchor="ctr" bIns="91425" lIns="91425" spcFirstLastPara="1" rIns="91425" wrap="square" tIns="91425">
-              <a:noAutofit/>
-            </a:bodyPr>
-            <a:lstStyle/>
-            <a:p>
-              <a:pPr indent="0" lvl="0" marL="0" rtl="0" algn="ctr">
-                <a:spcBef>
-                  <a:spcPts val="0"/>
-                </a:spcBef>
-                <a:spcAft>
-                  <a:spcPts val="0"/>
-                </a:spcAft>
-                <a:buNone/>
-              </a:pPr>
-              <a:r>
-                <a:rPr b="1" lang="en" sz="1200">
-                  <a:latin typeface="Roboto"/>
-                  <a:ea typeface="Roboto"/>
-                  <a:cs typeface="Roboto"/>
-                  <a:sym typeface="Roboto"/>
-                </a:rPr>
-                <a:t>List dossiers bénéficiare</a:t>
-              </a:r>
-              <a:endParaRPr b="1" sz="1200">
-                <a:latin typeface="Roboto"/>
-                <a:ea typeface="Roboto"/>
-                <a:cs typeface="Roboto"/>
-                <a:sym typeface="Roboto"/>
-              </a:endParaRPr>
-            </a:p>
-          </p:txBody>
-        </p:sp>
-      </p:grpSp>
-      <p:grpSp>
-        <p:nvGrpSpPr>
-          <p:cNvPr id="72" name="Google Shape;72;p11"/>
-          <p:cNvGrpSpPr/>
-          <p:nvPr/>
-        </p:nvGrpSpPr>
-        <p:grpSpPr>
-          <a:xfrm>
-            <a:off x="2446825" y="855863"/>
+            <a:off x="2446825" y="398663"/>
             <a:ext cx="3227400" cy="642013"/>
             <a:chOff x="454575" y="127575"/>
             <a:chExt cx="3227400" cy="642013"/>
@@ -7081,7 +6810,7 @@
         </p:grpSpPr>
         <p:sp>
           <p:nvSpPr>
-            <p:cNvPr id="73" name="Google Shape;73;p11"/>
+            <p:cNvPr id="67" name="Google Shape;67;p11"/>
             <p:cNvSpPr/>
             <p:nvPr/>
           </p:nvSpPr>
@@ -7142,7 +6871,7 @@
         </p:sp>
         <p:sp>
           <p:nvSpPr>
-            <p:cNvPr id="74" name="Google Shape;74;p11"/>
+            <p:cNvPr id="68" name="Google Shape;68;p11"/>
             <p:cNvSpPr/>
             <p:nvPr/>
           </p:nvSpPr>
@@ -7201,13 +6930,13 @@
       </p:grpSp>
       <p:grpSp>
         <p:nvGrpSpPr>
-          <p:cNvPr id="75" name="Google Shape;75;p11"/>
+          <p:cNvPr id="69" name="Google Shape;69;p11"/>
           <p:cNvGrpSpPr/>
           <p:nvPr/>
         </p:nvGrpSpPr>
         <p:grpSpPr>
           <a:xfrm>
-            <a:off x="152400" y="1929738"/>
+            <a:off x="152400" y="1472538"/>
             <a:ext cx="2891100" cy="717313"/>
             <a:chOff x="606975" y="127575"/>
             <a:chExt cx="2891100" cy="717313"/>
@@ -7215,7 +6944,7 @@
         </p:grpSpPr>
         <p:sp>
           <p:nvSpPr>
-            <p:cNvPr id="76" name="Google Shape;76;p11"/>
+            <p:cNvPr id="70" name="Google Shape;70;p11"/>
             <p:cNvSpPr/>
             <p:nvPr/>
           </p:nvSpPr>
@@ -7288,7 +7017,7 @@
         </p:sp>
         <p:sp>
           <p:nvSpPr>
-            <p:cNvPr id="77" name="Google Shape;77;p11"/>
+            <p:cNvPr id="71" name="Google Shape;71;p11"/>
             <p:cNvSpPr/>
             <p:nvPr/>
           </p:nvSpPr>
@@ -7342,16 +7071,16 @@
       </p:grpSp>
       <p:cxnSp>
         <p:nvCxnSpPr>
-          <p:cNvPr id="78" name="Google Shape;78;p11"/>
+          <p:cNvPr id="72" name="Google Shape;72;p11"/>
           <p:cNvCxnSpPr>
-            <a:stCxn id="77" idx="0"/>
-            <a:endCxn id="73" idx="2"/>
+            <a:stCxn id="71" idx="0"/>
+            <a:endCxn id="67" idx="2"/>
           </p:cNvCxnSpPr>
           <p:nvPr/>
         </p:nvCxnSpPr>
         <p:spPr>
           <a:xfrm rot="-5400000">
-            <a:off x="2619700" y="488838"/>
+            <a:off x="2619700" y="31638"/>
             <a:ext cx="432000" cy="2449800"/>
           </a:xfrm>
           <a:prstGeom prst="bentConnector3">
@@ -7373,13 +7102,13 @@
       </p:cxnSp>
       <p:grpSp>
         <p:nvGrpSpPr>
-          <p:cNvPr id="79" name="Google Shape;79;p11"/>
+          <p:cNvPr id="73" name="Google Shape;73;p11"/>
           <p:cNvGrpSpPr/>
           <p:nvPr/>
         </p:nvGrpSpPr>
         <p:grpSpPr>
           <a:xfrm>
-            <a:off x="5959050" y="1955238"/>
+            <a:off x="5959050" y="1498038"/>
             <a:ext cx="3107400" cy="717313"/>
             <a:chOff x="462650" y="127575"/>
             <a:chExt cx="3107400" cy="717313"/>
@@ -7387,7 +7116,7 @@
         </p:grpSpPr>
         <p:sp>
           <p:nvSpPr>
-            <p:cNvPr id="80" name="Google Shape;80;p11"/>
+            <p:cNvPr id="74" name="Google Shape;74;p11"/>
             <p:cNvSpPr/>
             <p:nvPr/>
           </p:nvSpPr>
@@ -7460,7 +7189,7 @@
         </p:sp>
         <p:sp>
           <p:nvSpPr>
-            <p:cNvPr id="81" name="Google Shape;81;p11"/>
+            <p:cNvPr id="75" name="Google Shape;75;p11"/>
             <p:cNvSpPr/>
             <p:nvPr/>
           </p:nvSpPr>
@@ -7514,16 +7243,16 @@
       </p:grpSp>
       <p:cxnSp>
         <p:nvCxnSpPr>
-          <p:cNvPr id="82" name="Google Shape;82;p11"/>
+          <p:cNvPr id="76" name="Google Shape;76;p11"/>
           <p:cNvCxnSpPr>
-            <a:stCxn id="81" idx="0"/>
-            <a:endCxn id="73" idx="2"/>
+            <a:stCxn id="75" idx="0"/>
+            <a:endCxn id="67" idx="2"/>
           </p:cNvCxnSpPr>
           <p:nvPr/>
         </p:nvCxnSpPr>
         <p:spPr>
           <a:xfrm flipH="1" rot="5400000">
-            <a:off x="5582375" y="-24162"/>
+            <a:off x="5582375" y="-481362"/>
             <a:ext cx="457500" cy="3501300"/>
           </a:xfrm>
           <a:prstGeom prst="bentConnector3">
@@ -7545,13 +7274,13 @@
       </p:cxnSp>
       <p:grpSp>
         <p:nvGrpSpPr>
-          <p:cNvPr id="83" name="Google Shape;83;p11"/>
+          <p:cNvPr id="77" name="Google Shape;77;p11"/>
           <p:cNvGrpSpPr/>
           <p:nvPr/>
         </p:nvGrpSpPr>
         <p:grpSpPr>
           <a:xfrm>
-            <a:off x="3044425" y="2606438"/>
+            <a:off x="3044425" y="2149238"/>
             <a:ext cx="2891100" cy="717313"/>
             <a:chOff x="606975" y="127575"/>
             <a:chExt cx="2891100" cy="717313"/>
@@ -7559,7 +7288,7 @@
         </p:grpSpPr>
         <p:sp>
           <p:nvSpPr>
-            <p:cNvPr id="84" name="Google Shape;84;p11"/>
+            <p:cNvPr id="78" name="Google Shape;78;p11"/>
             <p:cNvSpPr/>
             <p:nvPr/>
           </p:nvSpPr>
@@ -7620,7 +7349,7 @@
         </p:sp>
         <p:sp>
           <p:nvSpPr>
-            <p:cNvPr id="85" name="Google Shape;85;p11"/>
+            <p:cNvPr id="79" name="Google Shape;79;p11"/>
             <p:cNvSpPr/>
             <p:nvPr/>
           </p:nvSpPr>
@@ -7674,16 +7403,16 @@
       </p:grpSp>
       <p:cxnSp>
         <p:nvCxnSpPr>
-          <p:cNvPr id="86" name="Google Shape;86;p11"/>
+          <p:cNvPr id="80" name="Google Shape;80;p11"/>
           <p:cNvCxnSpPr>
-            <a:stCxn id="73" idx="2"/>
-            <a:endCxn id="85" idx="0"/>
+            <a:stCxn id="67" idx="2"/>
+            <a:endCxn id="79" idx="0"/>
           </p:cNvCxnSpPr>
           <p:nvPr/>
         </p:nvCxnSpPr>
         <p:spPr>
           <a:xfrm flipH="1" rot="-5400000">
-            <a:off x="3727375" y="1831025"/>
+            <a:off x="3727375" y="1373825"/>
             <a:ext cx="1108500" cy="442200"/>
           </a:xfrm>
           <a:prstGeom prst="bentConnector3">
@@ -7705,13 +7434,13 @@
       </p:cxnSp>
       <p:grpSp>
         <p:nvGrpSpPr>
-          <p:cNvPr id="87" name="Google Shape;87;p11"/>
+          <p:cNvPr id="81" name="Google Shape;81;p11"/>
           <p:cNvGrpSpPr/>
           <p:nvPr/>
         </p:nvGrpSpPr>
         <p:grpSpPr>
           <a:xfrm>
-            <a:off x="6134500" y="3795513"/>
+            <a:off x="6134500" y="3338313"/>
             <a:ext cx="2891100" cy="963013"/>
             <a:chOff x="606975" y="127575"/>
             <a:chExt cx="2891100" cy="963013"/>
@@ -7719,7 +7448,7 @@
         </p:grpSpPr>
         <p:sp>
           <p:nvSpPr>
-            <p:cNvPr id="88" name="Google Shape;88;p11"/>
+            <p:cNvPr id="82" name="Google Shape;82;p11"/>
             <p:cNvSpPr/>
             <p:nvPr/>
           </p:nvSpPr>
@@ -7783,7 +7512,7 @@
         </p:sp>
         <p:sp>
           <p:nvSpPr>
-            <p:cNvPr id="89" name="Google Shape;89;p11"/>
+            <p:cNvPr id="83" name="Google Shape;83;p11"/>
             <p:cNvSpPr/>
             <p:nvPr/>
           </p:nvSpPr>
@@ -7837,16 +7566,16 @@
       </p:grpSp>
       <p:cxnSp>
         <p:nvCxnSpPr>
-          <p:cNvPr id="90" name="Google Shape;90;p11"/>
+          <p:cNvPr id="84" name="Google Shape;84;p11"/>
           <p:cNvCxnSpPr>
-            <a:stCxn id="84" idx="2"/>
-            <a:endCxn id="89" idx="0"/>
+            <a:stCxn id="78" idx="2"/>
+            <a:endCxn id="83" idx="0"/>
           </p:cNvCxnSpPr>
           <p:nvPr/>
         </p:nvCxnSpPr>
         <p:spPr>
           <a:xfrm flipH="1" rot="-5400000">
-            <a:off x="5805475" y="2008250"/>
+            <a:off x="5805475" y="1551050"/>
             <a:ext cx="471900" cy="3102900"/>
           </a:xfrm>
           <a:prstGeom prst="bentConnector3">
@@ -7868,13 +7597,13 @@
       </p:cxnSp>
       <p:grpSp>
         <p:nvGrpSpPr>
-          <p:cNvPr id="91" name="Google Shape;91;p11"/>
+          <p:cNvPr id="85" name="Google Shape;85;p11"/>
           <p:cNvGrpSpPr/>
           <p:nvPr/>
         </p:nvGrpSpPr>
         <p:grpSpPr>
           <a:xfrm>
-            <a:off x="1062100" y="4000438"/>
+            <a:off x="1062100" y="3543238"/>
             <a:ext cx="2891100" cy="963013"/>
             <a:chOff x="606975" y="127575"/>
             <a:chExt cx="2891100" cy="963013"/>
@@ -7882,7 +7611,7 @@
         </p:grpSpPr>
         <p:sp>
           <p:nvSpPr>
-            <p:cNvPr id="92" name="Google Shape;92;p11"/>
+            <p:cNvPr id="86" name="Google Shape;86;p11"/>
             <p:cNvSpPr/>
             <p:nvPr/>
           </p:nvSpPr>
@@ -7946,7 +7675,7 @@
         </p:sp>
         <p:sp>
           <p:nvSpPr>
-            <p:cNvPr id="93" name="Google Shape;93;p11"/>
+            <p:cNvPr id="87" name="Google Shape;87;p11"/>
             <p:cNvSpPr/>
             <p:nvPr/>
           </p:nvSpPr>
@@ -8000,16 +7729,16 @@
       </p:grpSp>
       <p:cxnSp>
         <p:nvCxnSpPr>
-          <p:cNvPr id="94" name="Google Shape;94;p11"/>
+          <p:cNvPr id="88" name="Google Shape;88;p11"/>
           <p:cNvCxnSpPr>
-            <a:stCxn id="88" idx="1"/>
-            <a:endCxn id="93" idx="3"/>
+            <a:stCxn id="82" idx="1"/>
+            <a:endCxn id="87" idx="3"/>
           </p:cNvCxnSpPr>
           <p:nvPr/>
         </p:nvCxnSpPr>
         <p:spPr>
           <a:xfrm rot="10800000">
-            <a:off x="3877000" y="4160925"/>
+            <a:off x="3877000" y="3703725"/>
             <a:ext cx="2257500" cy="276600"/>
           </a:xfrm>
           <a:prstGeom prst="bentConnector3">
@@ -8031,13 +7760,13 @@
       </p:cxnSp>
       <p:sp>
         <p:nvSpPr>
-          <p:cNvPr id="95" name="Google Shape;95;p11"/>
+          <p:cNvPr id="89" name="Google Shape;89;p11"/>
           <p:cNvSpPr txBox="1"/>
           <p:nvPr/>
         </p:nvSpPr>
         <p:spPr>
           <a:xfrm>
-            <a:off x="2370475" y="1518725"/>
+            <a:off x="2370475" y="1061525"/>
             <a:ext cx="1026600" cy="108900"/>
           </a:xfrm>
           <a:prstGeom prst="rect">
@@ -8089,13 +7818,13 @@
       </p:sp>
       <p:sp>
         <p:nvSpPr>
-          <p:cNvPr id="96" name="Google Shape;96;p11"/>
+          <p:cNvPr id="90" name="Google Shape;90;p11"/>
           <p:cNvSpPr txBox="1"/>
           <p:nvPr/>
         </p:nvSpPr>
         <p:spPr>
           <a:xfrm>
-            <a:off x="5857000" y="1503450"/>
+            <a:off x="5857000" y="1046250"/>
             <a:ext cx="1026600" cy="108900"/>
           </a:xfrm>
           <a:prstGeom prst="rect">
@@ -8147,13 +7876,13 @@
       </p:sp>
       <p:sp>
         <p:nvSpPr>
-          <p:cNvPr id="97" name="Google Shape;97;p11"/>
+          <p:cNvPr id="91" name="Google Shape;91;p11"/>
           <p:cNvSpPr txBox="1"/>
           <p:nvPr/>
         </p:nvSpPr>
         <p:spPr>
           <a:xfrm>
-            <a:off x="6058300" y="3362300"/>
+            <a:off x="6058300" y="2905100"/>
             <a:ext cx="1458300" cy="108900"/>
           </a:xfrm>
           <a:prstGeom prst="rect">
@@ -8229,13 +7958,13 @@
       </p:sp>
       <p:sp>
         <p:nvSpPr>
-          <p:cNvPr id="98" name="Google Shape;98;p11"/>
+          <p:cNvPr id="92" name="Google Shape;92;p11"/>
           <p:cNvSpPr txBox="1"/>
           <p:nvPr/>
         </p:nvSpPr>
         <p:spPr>
           <a:xfrm>
-            <a:off x="4314700" y="3898750"/>
+            <a:off x="4314700" y="3441550"/>
             <a:ext cx="1458300" cy="108900"/>
           </a:xfrm>
           <a:prstGeom prst="rect">
